--- a/Projekt_Mikołaj_Piekutowski_Mikołaj_Popławski.pptx
+++ b/Projekt_Mikołaj_Piekutowski_Mikołaj_Popławski.pptx
@@ -7940,8 +7940,33 @@
                 <a:latin typeface="Calibri" panose="020F0502020204030204" pitchFamily="34" charset="0"/>
                 <a:cs typeface="Calibri" panose="020F0502020204030204" pitchFamily="34" charset="0"/>
               </a:rPr>
-              <a:t>, który zawiera dane o aktywności sejsmicznej w kopalniach na obszarze Górnośląskiego Zagłębia Górniczego. Posiada on 2584 obserwacji oraz 18 bazowych atrybutów z czego 14 to atrybuty numeryczne, a 4 tekstowe, które przetransformowaliśmy na numeryczne. Do analizy danych utworzyliśmy 5 dodatkowych atrybutów. Atrybutem decyzyjnym jest wartość określająca czy podczas następnej zmiany w kopalni istnieje ryzyko wystąpienia wstrząsów sejsmicznych o wysokiej energii, czyli &gt; 10^4J. Dane podzieliliśmy na grupę uczącą i grupę testową w proporcjach 3:2.</a:t>
-            </a:r>
+              <a:t>, który zawiera dane o aktywności sejsmicznej w kopalniach na obszarze Górnośląskiego Zagłębia Górniczego. Posiada on 2584 obserwacji oraz 18 bazowych atrybutów z czego 14 to atrybuty numeryczne, a 4 tekstowe, które przetransformowaliśmy na numeryczne. Do analizy danych utworzyliśmy 5 dodatkowych atrybutów. Atrybutem decyzyjnym jest wartość określająca czy podczas następnej zmiany w kopalni istnieje ryzyko wystąpienia wstrząsów sejsmicznych o wysokiej energii, czyli &gt; 10^4J. Dane podzieliliśmy na grupę </a:t>
+            </a:r>
+            <a:r>
+              <a:rPr lang="pl-PL">
+                <a:latin typeface="Calibri" panose="020F0502020204030204" pitchFamily="34" charset="0"/>
+                <a:cs typeface="Calibri" panose="020F0502020204030204" pitchFamily="34" charset="0"/>
+              </a:rPr>
+              <a:t>uczącą 60% i </a:t>
+            </a:r>
+            <a:r>
+              <a:rPr lang="pl-PL" dirty="0">
+                <a:latin typeface="Calibri" panose="020F0502020204030204" pitchFamily="34" charset="0"/>
+                <a:cs typeface="Calibri" panose="020F0502020204030204" pitchFamily="34" charset="0"/>
+              </a:rPr>
+              <a:t>grupę </a:t>
+            </a:r>
+            <a:r>
+              <a:rPr lang="pl-PL">
+                <a:latin typeface="Calibri" panose="020F0502020204030204" pitchFamily="34" charset="0"/>
+                <a:cs typeface="Calibri" panose="020F0502020204030204" pitchFamily="34" charset="0"/>
+              </a:rPr>
+              <a:t>testową 40%.</a:t>
+            </a:r>
+            <a:endParaRPr lang="pl-PL" dirty="0">
+              <a:latin typeface="Calibri" panose="020F0502020204030204" pitchFamily="34" charset="0"/>
+              <a:cs typeface="Calibri" panose="020F0502020204030204" pitchFamily="34" charset="0"/>
+            </a:endParaRPr>
           </a:p>
         </p:txBody>
       </p:sp>
